--- a/Vaibhav_Admane_Netflix Data Analysis Project PPT.pptx
+++ b/Vaibhav_Admane_Netflix Data Analysis Project PPT.pptx
@@ -22047,6 +22047,14 @@
                 <a:solidFill>
                   <a:schemeClr val="accent2"/>
                 </a:solidFill>
+              </a:rPr>
+              <a:t> </a:t>
+            </a:r>
+            <a:r>
+              <a:rPr lang="en-IN" dirty="0">
+                <a:solidFill>
+                  <a:schemeClr val="accent2"/>
+                </a:solidFill>
                 <a:hlinkClick r:id="rId3">
                   <a:extLst>
                     <a:ext uri="{A12FA001-AC4F-418D-AE19-62706E023703}">
@@ -22055,7 +22063,7 @@
                   </a:extLst>
                 </a:hlinkClick>
               </a:rPr>
-              <a:t>Vaibhav-153/VOIS_AICTE_Oct2025_MajorProject_VaibhavAdmane-</a:t>
+              <a:t>Vaibhav-153/VOIS_AICTE_Oct2025_MajorProject_VaibhavAdmane</a:t>
             </a:r>
             <a:endParaRPr lang="en-US" dirty="0">
               <a:solidFill>
@@ -23279,6 +23287,24 @@
 </file>
 
 <file path=customXml/item1.xml><?xml version="1.0" encoding="utf-8"?>
+<p:properties xmlns:p="http://schemas.microsoft.com/office/2006/metadata/properties" xmlns:xsi="http://www.w3.org/2001/XMLSchema-instance" xmlns:pc="http://schemas.microsoft.com/office/infopath/2007/PartnerControls">
+  <documentManagement>
+    <Status xmlns="71af3243-3dd4-4a8d-8c0d-dd76da1f02a5">Not started</Status>
+    <MediaServiceKeyPoints xmlns="71af3243-3dd4-4a8d-8c0d-dd76da1f02a5" xsi:nil="true"/>
+  </documentManagement>
+</p:properties>
+</file>
+
+<file path=customXml/item2.xml><?xml version="1.0" encoding="utf-8"?>
+<?mso-contentType ?>
+<FormTemplates xmlns="http://schemas.microsoft.com/sharepoint/v3/contenttype/forms">
+  <Display>DocumentLibraryForm</Display>
+  <Edit>DocumentLibraryForm</Edit>
+  <New>DocumentLibraryForm</New>
+</FormTemplates>
+</file>
+
+<file path=customXml/item3.xml><?xml version="1.0" encoding="utf-8"?>
 <ct:contentTypeSchema xmlns:ct="http://schemas.microsoft.com/office/2006/metadata/contentType" xmlns:ma="http://schemas.microsoft.com/office/2006/metadata/properties/metaAttributes" ct:_="" ma:_="" ma:contentTypeName="Document" ma:contentTypeID="0x01010079F111ED35F8CC479449609E8A0923A6" ma:contentTypeVersion="12" ma:contentTypeDescription="Create a new document." ma:contentTypeScope="" ma:versionID="426e97fa315356fffbdcd9876fe988c2">
   <xsd:schema xmlns:xsd="http://www.w3.org/2001/XMLSchema" xmlns:xs="http://www.w3.org/2001/XMLSchema" xmlns:p="http://schemas.microsoft.com/office/2006/metadata/properties" xmlns:ns2="71af3243-3dd4-4a8d-8c0d-dd76da1f02a5" xmlns:ns3="16c05727-aa75-4e4a-9b5f-8a80a1165891" targetNamespace="http://schemas.microsoft.com/office/2006/metadata/properties" ma:root="true" ma:fieldsID="14b8f0def80e6d70ce3def20c90759ae" ns2:_="" ns3:_="">
     <xsd:import namespace="71af3243-3dd4-4a8d-8c0d-dd76da1f02a5"/>
@@ -23499,25 +23525,25 @@
 </ct:contentTypeSchema>
 </file>
 
-<file path=customXml/item2.xml><?xml version="1.0" encoding="utf-8"?>
-<?mso-contentType ?>
-<FormTemplates xmlns="http://schemas.microsoft.com/sharepoint/v3/contenttype/forms">
-  <Display>DocumentLibraryForm</Display>
-  <Edit>DocumentLibraryForm</Edit>
-  <New>DocumentLibraryForm</New>
-</FormTemplates>
+<file path=customXml/itemProps1.xml><?xml version="1.0" encoding="utf-8"?>
+<ds:datastoreItem xmlns:ds="http://schemas.openxmlformats.org/officeDocument/2006/customXml" ds:itemID="{4DEA9014-ED64-4558-B1E1-D03F0EE32BEB}">
+  <ds:schemaRefs>
+    <ds:schemaRef ds:uri="http://schemas.microsoft.com/office/2006/metadata/properties"/>
+    <ds:schemaRef ds:uri="http://schemas.microsoft.com/office/infopath/2007/PartnerControls"/>
+    <ds:schemaRef ds:uri="71af3243-3dd4-4a8d-8c0d-dd76da1f02a5"/>
+  </ds:schemaRefs>
+</ds:datastoreItem>
 </file>
 
-<file path=customXml/item3.xml><?xml version="1.0" encoding="utf-8"?>
-<p:properties xmlns:p="http://schemas.microsoft.com/office/2006/metadata/properties" xmlns:xsi="http://www.w3.org/2001/XMLSchema-instance" xmlns:pc="http://schemas.microsoft.com/office/infopath/2007/PartnerControls">
-  <documentManagement>
-    <Status xmlns="71af3243-3dd4-4a8d-8c0d-dd76da1f02a5">Not started</Status>
-    <MediaServiceKeyPoints xmlns="71af3243-3dd4-4a8d-8c0d-dd76da1f02a5" xsi:nil="true"/>
-  </documentManagement>
-</p:properties>
+<file path=customXml/itemProps2.xml><?xml version="1.0" encoding="utf-8"?>
+<ds:datastoreItem xmlns:ds="http://schemas.openxmlformats.org/officeDocument/2006/customXml" ds:itemID="{05D99ABA-76CE-4A8E-B5F0-C051B96628DE}">
+  <ds:schemaRefs>
+    <ds:schemaRef ds:uri="http://schemas.microsoft.com/sharepoint/v3/contenttype/forms"/>
+  </ds:schemaRefs>
+</ds:datastoreItem>
 </file>
 
-<file path=customXml/itemProps1.xml><?xml version="1.0" encoding="utf-8"?>
+<file path=customXml/itemProps3.xml><?xml version="1.0" encoding="utf-8"?>
 <ds:datastoreItem xmlns:ds="http://schemas.openxmlformats.org/officeDocument/2006/customXml" ds:itemID="{B19EB750-A6DA-4BE8-B87B-FC499FE73360}">
   <ds:schemaRefs>
     <ds:schemaRef ds:uri="http://schemas.microsoft.com/office/2006/metadata/contentType"/>
@@ -23534,22 +23560,4 @@
     <ds:schemaRef ds:uri="http://schemas.microsoft.com/internal/obd"/>
   </ds:schemaRefs>
 </ds:datastoreItem>
-</file>
-
-<file path=customXml/itemProps2.xml><?xml version="1.0" encoding="utf-8"?>
-<ds:datastoreItem xmlns:ds="http://schemas.openxmlformats.org/officeDocument/2006/customXml" ds:itemID="{05D99ABA-76CE-4A8E-B5F0-C051B96628DE}">
-  <ds:schemaRefs>
-    <ds:schemaRef ds:uri="http://schemas.microsoft.com/sharepoint/v3/contenttype/forms"/>
-  </ds:schemaRefs>
-</ds:datastoreItem>
-</file>
-
-<file path=customXml/itemProps3.xml><?xml version="1.0" encoding="utf-8"?>
-<ds:datastoreItem xmlns:ds="http://schemas.openxmlformats.org/officeDocument/2006/customXml" ds:itemID="{4DEA9014-ED64-4558-B1E1-D03F0EE32BEB}">
-  <ds:schemaRefs>
-    <ds:schemaRef ds:uri="http://schemas.microsoft.com/office/2006/metadata/properties"/>
-    <ds:schemaRef ds:uri="http://schemas.microsoft.com/office/infopath/2007/PartnerControls"/>
-    <ds:schemaRef ds:uri="71af3243-3dd4-4a8d-8c0d-dd76da1f02a5"/>
-  </ds:schemaRefs>
-</ds:datastoreItem>
 </file>